--- a/ppt 16-9/1368.为真理扬起来.pptx
+++ b/ppt 16-9/1368.为真理扬起来.pptx
@@ -129,7 +129,7 @@
           <p:cNvPr id="2" name="标题 1">
             <a:extLst>
               <a:ext uri="{FF2B5EF4-FFF2-40B4-BE49-F238E27FC236}">
-                <a16:creationId xmlns:a16="http://schemas.microsoft.com/office/drawing/2014/main" id="{B22ABE87-C94F-1631-DDB5-128D90B89CA5}"/>
+                <a16:creationId xmlns:a16="http://schemas.microsoft.com/office/drawing/2014/main" id="{47238F49-2762-8E2B-6126-A90D59BAF38A}"/>
               </a:ext>
             </a:extLst>
           </p:cNvPr>
@@ -166,7 +166,7 @@
           <p:cNvPr id="3" name="副标题 2">
             <a:extLst>
               <a:ext uri="{FF2B5EF4-FFF2-40B4-BE49-F238E27FC236}">
-                <a16:creationId xmlns:a16="http://schemas.microsoft.com/office/drawing/2014/main" id="{53D81E94-FD3F-9719-3CCD-ACF9597885AE}"/>
+                <a16:creationId xmlns:a16="http://schemas.microsoft.com/office/drawing/2014/main" id="{F4217350-45D3-49EE-A291-792236AF1FFB}"/>
               </a:ext>
             </a:extLst>
           </p:cNvPr>
@@ -236,7 +236,7 @@
           <p:cNvPr id="4" name="日期占位符 3">
             <a:extLst>
               <a:ext uri="{FF2B5EF4-FFF2-40B4-BE49-F238E27FC236}">
-                <a16:creationId xmlns:a16="http://schemas.microsoft.com/office/drawing/2014/main" id="{1FDDEF03-58CD-D496-A27D-EBFF27426F7E}"/>
+                <a16:creationId xmlns:a16="http://schemas.microsoft.com/office/drawing/2014/main" id="{287A1717-7D58-9B0E-C425-7F210B120275}"/>
               </a:ext>
             </a:extLst>
           </p:cNvPr>
@@ -252,7 +252,7 @@
           <a:bodyPr/>
           <a:lstStyle/>
           <a:p>
-            <a:fld id="{B9979268-3642-4354-9485-BA15250CF380}" type="datetimeFigureOut">
+            <a:fld id="{B8B4B614-5EA4-428B-BA6F-F0B57D3AD001}" type="datetimeFigureOut">
               <a:rPr lang="zh-CN" altLang="en-US" smtClean="0"/>
               <a:t>2024/3/10</a:t>
             </a:fld>
@@ -265,7 +265,7 @@
           <p:cNvPr id="5" name="页脚占位符 4">
             <a:extLst>
               <a:ext uri="{FF2B5EF4-FFF2-40B4-BE49-F238E27FC236}">
-                <a16:creationId xmlns:a16="http://schemas.microsoft.com/office/drawing/2014/main" id="{44F2837D-49AE-28C7-BCEA-028D4F324D7A}"/>
+                <a16:creationId xmlns:a16="http://schemas.microsoft.com/office/drawing/2014/main" id="{694509B8-3C8B-0208-BC8B-EBF262BB5A4F}"/>
               </a:ext>
             </a:extLst>
           </p:cNvPr>
@@ -290,7 +290,7 @@
           <p:cNvPr id="6" name="灯片编号占位符 5">
             <a:extLst>
               <a:ext uri="{FF2B5EF4-FFF2-40B4-BE49-F238E27FC236}">
-                <a16:creationId xmlns:a16="http://schemas.microsoft.com/office/drawing/2014/main" id="{2FCEC15C-507F-6FD1-114E-0A783BB62531}"/>
+                <a16:creationId xmlns:a16="http://schemas.microsoft.com/office/drawing/2014/main" id="{21A6CDAF-A71F-317D-5FA0-1D3E8DC050DF}"/>
               </a:ext>
             </a:extLst>
           </p:cNvPr>
@@ -306,7 +306,7 @@
           <a:bodyPr/>
           <a:lstStyle/>
           <a:p>
-            <a:fld id="{EC918880-C1E5-4C34-9716-1B562C2A2A62}" type="slidenum">
+            <a:fld id="{C4878D2F-4116-4957-8347-2F7AAF0EF435}" type="slidenum">
               <a:rPr lang="zh-CN" altLang="en-US" smtClean="0"/>
               <a:t>‹#›</a:t>
             </a:fld>
@@ -317,7 +317,7 @@
     </p:spTree>
     <p:extLst>
       <p:ext uri="{BB962C8B-B14F-4D97-AF65-F5344CB8AC3E}">
-        <p14:creationId xmlns:p14="http://schemas.microsoft.com/office/powerpoint/2010/main" val="2456682742"/>
+        <p14:creationId xmlns:p14="http://schemas.microsoft.com/office/powerpoint/2010/main" val="4219815574"/>
       </p:ext>
     </p:extLst>
   </p:cSld>
@@ -349,7 +349,7 @@
           <p:cNvPr id="2" name="标题 1">
             <a:extLst>
               <a:ext uri="{FF2B5EF4-FFF2-40B4-BE49-F238E27FC236}">
-                <a16:creationId xmlns:a16="http://schemas.microsoft.com/office/drawing/2014/main" id="{4ECD49DC-A1E3-0433-BC1D-C30CA7556114}"/>
+                <a16:creationId xmlns:a16="http://schemas.microsoft.com/office/drawing/2014/main" id="{4A58094B-7421-604E-045C-B415A52287F2}"/>
               </a:ext>
             </a:extLst>
           </p:cNvPr>
@@ -377,7 +377,7 @@
           <p:cNvPr id="3" name="竖排文字占位符 2">
             <a:extLst>
               <a:ext uri="{FF2B5EF4-FFF2-40B4-BE49-F238E27FC236}">
-                <a16:creationId xmlns:a16="http://schemas.microsoft.com/office/drawing/2014/main" id="{F279E46B-ECC5-ADB1-8C01-90CA2B031B8A}"/>
+                <a16:creationId xmlns:a16="http://schemas.microsoft.com/office/drawing/2014/main" id="{9097441B-7D93-8800-4086-2F2B8B5CE72F}"/>
               </a:ext>
             </a:extLst>
           </p:cNvPr>
@@ -434,7 +434,7 @@
           <p:cNvPr id="4" name="日期占位符 3">
             <a:extLst>
               <a:ext uri="{FF2B5EF4-FFF2-40B4-BE49-F238E27FC236}">
-                <a16:creationId xmlns:a16="http://schemas.microsoft.com/office/drawing/2014/main" id="{76FD5C53-C252-1826-7AB8-9B3CA4B54458}"/>
+                <a16:creationId xmlns:a16="http://schemas.microsoft.com/office/drawing/2014/main" id="{BC51F499-363E-3A82-21DE-299E8A5536C5}"/>
               </a:ext>
             </a:extLst>
           </p:cNvPr>
@@ -450,7 +450,7 @@
           <a:bodyPr/>
           <a:lstStyle/>
           <a:p>
-            <a:fld id="{B9979268-3642-4354-9485-BA15250CF380}" type="datetimeFigureOut">
+            <a:fld id="{B8B4B614-5EA4-428B-BA6F-F0B57D3AD001}" type="datetimeFigureOut">
               <a:rPr lang="zh-CN" altLang="en-US" smtClean="0"/>
               <a:t>2024/3/10</a:t>
             </a:fld>
@@ -463,7 +463,7 @@
           <p:cNvPr id="5" name="页脚占位符 4">
             <a:extLst>
               <a:ext uri="{FF2B5EF4-FFF2-40B4-BE49-F238E27FC236}">
-                <a16:creationId xmlns:a16="http://schemas.microsoft.com/office/drawing/2014/main" id="{12AAF159-81EA-BDA4-D8E6-9CD64CE799F6}"/>
+                <a16:creationId xmlns:a16="http://schemas.microsoft.com/office/drawing/2014/main" id="{889B78D1-5A2C-1700-B302-06ADB11801D3}"/>
               </a:ext>
             </a:extLst>
           </p:cNvPr>
@@ -488,7 +488,7 @@
           <p:cNvPr id="6" name="灯片编号占位符 5">
             <a:extLst>
               <a:ext uri="{FF2B5EF4-FFF2-40B4-BE49-F238E27FC236}">
-                <a16:creationId xmlns:a16="http://schemas.microsoft.com/office/drawing/2014/main" id="{7FA21FD0-C3F6-D1D6-4BB3-5AC59EB82184}"/>
+                <a16:creationId xmlns:a16="http://schemas.microsoft.com/office/drawing/2014/main" id="{671A1AEC-FD59-15CE-E555-BA20E5400714}"/>
               </a:ext>
             </a:extLst>
           </p:cNvPr>
@@ -504,7 +504,7 @@
           <a:bodyPr/>
           <a:lstStyle/>
           <a:p>
-            <a:fld id="{EC918880-C1E5-4C34-9716-1B562C2A2A62}" type="slidenum">
+            <a:fld id="{C4878D2F-4116-4957-8347-2F7AAF0EF435}" type="slidenum">
               <a:rPr lang="zh-CN" altLang="en-US" smtClean="0"/>
               <a:t>‹#›</a:t>
             </a:fld>
@@ -515,7 +515,7 @@
     </p:spTree>
     <p:extLst>
       <p:ext uri="{BB962C8B-B14F-4D97-AF65-F5344CB8AC3E}">
-        <p14:creationId xmlns:p14="http://schemas.microsoft.com/office/powerpoint/2010/main" val="2859183170"/>
+        <p14:creationId xmlns:p14="http://schemas.microsoft.com/office/powerpoint/2010/main" val="926356658"/>
       </p:ext>
     </p:extLst>
   </p:cSld>
@@ -547,7 +547,7 @@
           <p:cNvPr id="2" name="竖排标题 1">
             <a:extLst>
               <a:ext uri="{FF2B5EF4-FFF2-40B4-BE49-F238E27FC236}">
-                <a16:creationId xmlns:a16="http://schemas.microsoft.com/office/drawing/2014/main" id="{1E1FC39F-9E20-E87C-DDB8-3F8968B7DAA0}"/>
+                <a16:creationId xmlns:a16="http://schemas.microsoft.com/office/drawing/2014/main" id="{FDA767C5-D9ED-AAFB-D018-C98CC0A24F4B}"/>
               </a:ext>
             </a:extLst>
           </p:cNvPr>
@@ -580,7 +580,7 @@
           <p:cNvPr id="3" name="竖排文字占位符 2">
             <a:extLst>
               <a:ext uri="{FF2B5EF4-FFF2-40B4-BE49-F238E27FC236}">
-                <a16:creationId xmlns:a16="http://schemas.microsoft.com/office/drawing/2014/main" id="{03F72654-9783-0F65-0983-444E93814217}"/>
+                <a16:creationId xmlns:a16="http://schemas.microsoft.com/office/drawing/2014/main" id="{B205F90C-67DC-82A8-B3BA-C0C1235FD7C1}"/>
               </a:ext>
             </a:extLst>
           </p:cNvPr>
@@ -642,7 +642,7 @@
           <p:cNvPr id="4" name="日期占位符 3">
             <a:extLst>
               <a:ext uri="{FF2B5EF4-FFF2-40B4-BE49-F238E27FC236}">
-                <a16:creationId xmlns:a16="http://schemas.microsoft.com/office/drawing/2014/main" id="{903679CD-7DED-5DAC-E9EC-838528D32453}"/>
+                <a16:creationId xmlns:a16="http://schemas.microsoft.com/office/drawing/2014/main" id="{D7310BC4-7527-3647-F47A-2BC513EED396}"/>
               </a:ext>
             </a:extLst>
           </p:cNvPr>
@@ -658,7 +658,7 @@
           <a:bodyPr/>
           <a:lstStyle/>
           <a:p>
-            <a:fld id="{B9979268-3642-4354-9485-BA15250CF380}" type="datetimeFigureOut">
+            <a:fld id="{B8B4B614-5EA4-428B-BA6F-F0B57D3AD001}" type="datetimeFigureOut">
               <a:rPr lang="zh-CN" altLang="en-US" smtClean="0"/>
               <a:t>2024/3/10</a:t>
             </a:fld>
@@ -671,7 +671,7 @@
           <p:cNvPr id="5" name="页脚占位符 4">
             <a:extLst>
               <a:ext uri="{FF2B5EF4-FFF2-40B4-BE49-F238E27FC236}">
-                <a16:creationId xmlns:a16="http://schemas.microsoft.com/office/drawing/2014/main" id="{266531E3-4578-D200-C62D-E463476A6E00}"/>
+                <a16:creationId xmlns:a16="http://schemas.microsoft.com/office/drawing/2014/main" id="{84E59BFD-33C6-FB05-E546-B2C83C12653D}"/>
               </a:ext>
             </a:extLst>
           </p:cNvPr>
@@ -696,7 +696,7 @@
           <p:cNvPr id="6" name="灯片编号占位符 5">
             <a:extLst>
               <a:ext uri="{FF2B5EF4-FFF2-40B4-BE49-F238E27FC236}">
-                <a16:creationId xmlns:a16="http://schemas.microsoft.com/office/drawing/2014/main" id="{BC2DB687-C60A-AFA0-3478-0ACB304086D1}"/>
+                <a16:creationId xmlns:a16="http://schemas.microsoft.com/office/drawing/2014/main" id="{2AAC6F05-6ACA-34F4-CDD6-911C986F5934}"/>
               </a:ext>
             </a:extLst>
           </p:cNvPr>
@@ -712,7 +712,7 @@
           <a:bodyPr/>
           <a:lstStyle/>
           <a:p>
-            <a:fld id="{EC918880-C1E5-4C34-9716-1B562C2A2A62}" type="slidenum">
+            <a:fld id="{C4878D2F-4116-4957-8347-2F7AAF0EF435}" type="slidenum">
               <a:rPr lang="zh-CN" altLang="en-US" smtClean="0"/>
               <a:t>‹#›</a:t>
             </a:fld>
@@ -723,7 +723,7 @@
     </p:spTree>
     <p:extLst>
       <p:ext uri="{BB962C8B-B14F-4D97-AF65-F5344CB8AC3E}">
-        <p14:creationId xmlns:p14="http://schemas.microsoft.com/office/powerpoint/2010/main" val="4130845478"/>
+        <p14:creationId xmlns:p14="http://schemas.microsoft.com/office/powerpoint/2010/main" val="437071935"/>
       </p:ext>
     </p:extLst>
   </p:cSld>
@@ -755,7 +755,7 @@
           <p:cNvPr id="2" name="标题 1">
             <a:extLst>
               <a:ext uri="{FF2B5EF4-FFF2-40B4-BE49-F238E27FC236}">
-                <a16:creationId xmlns:a16="http://schemas.microsoft.com/office/drawing/2014/main" id="{C2F21E3E-E057-DE22-04F0-B7AD92AC20A5}"/>
+                <a16:creationId xmlns:a16="http://schemas.microsoft.com/office/drawing/2014/main" id="{8C326AFA-535A-03CB-13D0-11EADAF2724C}"/>
               </a:ext>
             </a:extLst>
           </p:cNvPr>
@@ -783,7 +783,7 @@
           <p:cNvPr id="3" name="内容占位符 2">
             <a:extLst>
               <a:ext uri="{FF2B5EF4-FFF2-40B4-BE49-F238E27FC236}">
-                <a16:creationId xmlns:a16="http://schemas.microsoft.com/office/drawing/2014/main" id="{B20E0A1F-CEC9-35F4-E2CB-9DB99A6DC84E}"/>
+                <a16:creationId xmlns:a16="http://schemas.microsoft.com/office/drawing/2014/main" id="{53D421EE-E0AA-DEB4-8918-5676AB6BBF09}"/>
               </a:ext>
             </a:extLst>
           </p:cNvPr>
@@ -840,7 +840,7 @@
           <p:cNvPr id="4" name="日期占位符 3">
             <a:extLst>
               <a:ext uri="{FF2B5EF4-FFF2-40B4-BE49-F238E27FC236}">
-                <a16:creationId xmlns:a16="http://schemas.microsoft.com/office/drawing/2014/main" id="{365BF360-603E-61B2-7E84-5B648EA47A2E}"/>
+                <a16:creationId xmlns:a16="http://schemas.microsoft.com/office/drawing/2014/main" id="{02D0F2F0-8384-980C-7CD5-5DB4ADDEE415}"/>
               </a:ext>
             </a:extLst>
           </p:cNvPr>
@@ -856,7 +856,7 @@
           <a:bodyPr/>
           <a:lstStyle/>
           <a:p>
-            <a:fld id="{B9979268-3642-4354-9485-BA15250CF380}" type="datetimeFigureOut">
+            <a:fld id="{B8B4B614-5EA4-428B-BA6F-F0B57D3AD001}" type="datetimeFigureOut">
               <a:rPr lang="zh-CN" altLang="en-US" smtClean="0"/>
               <a:t>2024/3/10</a:t>
             </a:fld>
@@ -869,7 +869,7 @@
           <p:cNvPr id="5" name="页脚占位符 4">
             <a:extLst>
               <a:ext uri="{FF2B5EF4-FFF2-40B4-BE49-F238E27FC236}">
-                <a16:creationId xmlns:a16="http://schemas.microsoft.com/office/drawing/2014/main" id="{05FA4C68-7CF1-F3D4-ACF3-AA1A55388FD4}"/>
+                <a16:creationId xmlns:a16="http://schemas.microsoft.com/office/drawing/2014/main" id="{7F796DA5-686D-D9DA-A51A-252F06B1B560}"/>
               </a:ext>
             </a:extLst>
           </p:cNvPr>
@@ -894,7 +894,7 @@
           <p:cNvPr id="6" name="灯片编号占位符 5">
             <a:extLst>
               <a:ext uri="{FF2B5EF4-FFF2-40B4-BE49-F238E27FC236}">
-                <a16:creationId xmlns:a16="http://schemas.microsoft.com/office/drawing/2014/main" id="{9A2E409C-2DDE-34DF-4F72-EC6B3207D926}"/>
+                <a16:creationId xmlns:a16="http://schemas.microsoft.com/office/drawing/2014/main" id="{FEF28177-CB73-B508-818D-70B8CD479ED1}"/>
               </a:ext>
             </a:extLst>
           </p:cNvPr>
@@ -910,7 +910,7 @@
           <a:bodyPr/>
           <a:lstStyle/>
           <a:p>
-            <a:fld id="{EC918880-C1E5-4C34-9716-1B562C2A2A62}" type="slidenum">
+            <a:fld id="{C4878D2F-4116-4957-8347-2F7AAF0EF435}" type="slidenum">
               <a:rPr lang="zh-CN" altLang="en-US" smtClean="0"/>
               <a:t>‹#›</a:t>
             </a:fld>
@@ -921,7 +921,7 @@
     </p:spTree>
     <p:extLst>
       <p:ext uri="{BB962C8B-B14F-4D97-AF65-F5344CB8AC3E}">
-        <p14:creationId xmlns:p14="http://schemas.microsoft.com/office/powerpoint/2010/main" val="3534444484"/>
+        <p14:creationId xmlns:p14="http://schemas.microsoft.com/office/powerpoint/2010/main" val="1088997808"/>
       </p:ext>
     </p:extLst>
   </p:cSld>
@@ -953,7 +953,7 @@
           <p:cNvPr id="2" name="标题 1">
             <a:extLst>
               <a:ext uri="{FF2B5EF4-FFF2-40B4-BE49-F238E27FC236}">
-                <a16:creationId xmlns:a16="http://schemas.microsoft.com/office/drawing/2014/main" id="{76DF5202-3C1A-A883-AE5E-2C2ADE7CFD8B}"/>
+                <a16:creationId xmlns:a16="http://schemas.microsoft.com/office/drawing/2014/main" id="{0928C9EE-D88D-1162-CF1E-247B9112F77C}"/>
               </a:ext>
             </a:extLst>
           </p:cNvPr>
@@ -990,7 +990,7 @@
           <p:cNvPr id="3" name="文本占位符 2">
             <a:extLst>
               <a:ext uri="{FF2B5EF4-FFF2-40B4-BE49-F238E27FC236}">
-                <a16:creationId xmlns:a16="http://schemas.microsoft.com/office/drawing/2014/main" id="{D4785F80-4150-AE1C-8945-84EF19055CC9}"/>
+                <a16:creationId xmlns:a16="http://schemas.microsoft.com/office/drawing/2014/main" id="{E358D363-2DB7-B5D8-7A09-F1B6BD0B5972}"/>
               </a:ext>
             </a:extLst>
           </p:cNvPr>
@@ -1115,7 +1115,7 @@
           <p:cNvPr id="4" name="日期占位符 3">
             <a:extLst>
               <a:ext uri="{FF2B5EF4-FFF2-40B4-BE49-F238E27FC236}">
-                <a16:creationId xmlns:a16="http://schemas.microsoft.com/office/drawing/2014/main" id="{5BDF144C-02AA-A467-7920-021CF76D5443}"/>
+                <a16:creationId xmlns:a16="http://schemas.microsoft.com/office/drawing/2014/main" id="{1FAFFF07-A9FC-BFA3-0C07-D7218FB87680}"/>
               </a:ext>
             </a:extLst>
           </p:cNvPr>
@@ -1131,7 +1131,7 @@
           <a:bodyPr/>
           <a:lstStyle/>
           <a:p>
-            <a:fld id="{B9979268-3642-4354-9485-BA15250CF380}" type="datetimeFigureOut">
+            <a:fld id="{B8B4B614-5EA4-428B-BA6F-F0B57D3AD001}" type="datetimeFigureOut">
               <a:rPr lang="zh-CN" altLang="en-US" smtClean="0"/>
               <a:t>2024/3/10</a:t>
             </a:fld>
@@ -1144,7 +1144,7 @@
           <p:cNvPr id="5" name="页脚占位符 4">
             <a:extLst>
               <a:ext uri="{FF2B5EF4-FFF2-40B4-BE49-F238E27FC236}">
-                <a16:creationId xmlns:a16="http://schemas.microsoft.com/office/drawing/2014/main" id="{BEB94E02-BF88-08EA-E722-DA57EAA11595}"/>
+                <a16:creationId xmlns:a16="http://schemas.microsoft.com/office/drawing/2014/main" id="{EC0832B9-13D3-3941-29DB-7C28F3E06709}"/>
               </a:ext>
             </a:extLst>
           </p:cNvPr>
@@ -1169,7 +1169,7 @@
           <p:cNvPr id="6" name="灯片编号占位符 5">
             <a:extLst>
               <a:ext uri="{FF2B5EF4-FFF2-40B4-BE49-F238E27FC236}">
-                <a16:creationId xmlns:a16="http://schemas.microsoft.com/office/drawing/2014/main" id="{2CA1ACA0-AE43-1E09-3C1D-68AF5CE54DBA}"/>
+                <a16:creationId xmlns:a16="http://schemas.microsoft.com/office/drawing/2014/main" id="{0C698DF7-EAF4-42C2-FAA1-FE0DD00F2B3A}"/>
               </a:ext>
             </a:extLst>
           </p:cNvPr>
@@ -1185,7 +1185,7 @@
           <a:bodyPr/>
           <a:lstStyle/>
           <a:p>
-            <a:fld id="{EC918880-C1E5-4C34-9716-1B562C2A2A62}" type="slidenum">
+            <a:fld id="{C4878D2F-4116-4957-8347-2F7AAF0EF435}" type="slidenum">
               <a:rPr lang="zh-CN" altLang="en-US" smtClean="0"/>
               <a:t>‹#›</a:t>
             </a:fld>
@@ -1196,7 +1196,7 @@
     </p:spTree>
     <p:extLst>
       <p:ext uri="{BB962C8B-B14F-4D97-AF65-F5344CB8AC3E}">
-        <p14:creationId xmlns:p14="http://schemas.microsoft.com/office/powerpoint/2010/main" val="4265238519"/>
+        <p14:creationId xmlns:p14="http://schemas.microsoft.com/office/powerpoint/2010/main" val="3173596787"/>
       </p:ext>
     </p:extLst>
   </p:cSld>
@@ -1228,7 +1228,7 @@
           <p:cNvPr id="2" name="标题 1">
             <a:extLst>
               <a:ext uri="{FF2B5EF4-FFF2-40B4-BE49-F238E27FC236}">
-                <a16:creationId xmlns:a16="http://schemas.microsoft.com/office/drawing/2014/main" id="{72F2E66A-1844-720B-F860-A2A5B262971F}"/>
+                <a16:creationId xmlns:a16="http://schemas.microsoft.com/office/drawing/2014/main" id="{5EB549D7-1038-73BB-CFF3-D6B5F1E4F544}"/>
               </a:ext>
             </a:extLst>
           </p:cNvPr>
@@ -1256,7 +1256,7 @@
           <p:cNvPr id="3" name="内容占位符 2">
             <a:extLst>
               <a:ext uri="{FF2B5EF4-FFF2-40B4-BE49-F238E27FC236}">
-                <a16:creationId xmlns:a16="http://schemas.microsoft.com/office/drawing/2014/main" id="{885085DE-87A6-47A7-6AA0-A986D81D65D8}"/>
+                <a16:creationId xmlns:a16="http://schemas.microsoft.com/office/drawing/2014/main" id="{05EA66AA-8FA7-F450-BFE9-29468FBA620B}"/>
               </a:ext>
             </a:extLst>
           </p:cNvPr>
@@ -1318,7 +1318,7 @@
           <p:cNvPr id="4" name="内容占位符 3">
             <a:extLst>
               <a:ext uri="{FF2B5EF4-FFF2-40B4-BE49-F238E27FC236}">
-                <a16:creationId xmlns:a16="http://schemas.microsoft.com/office/drawing/2014/main" id="{6776BF04-C5DD-43B5-D0F5-EDCCA2DD225F}"/>
+                <a16:creationId xmlns:a16="http://schemas.microsoft.com/office/drawing/2014/main" id="{66D92122-1403-18C8-586A-8C764376FCC4}"/>
               </a:ext>
             </a:extLst>
           </p:cNvPr>
@@ -1380,7 +1380,7 @@
           <p:cNvPr id="5" name="日期占位符 4">
             <a:extLst>
               <a:ext uri="{FF2B5EF4-FFF2-40B4-BE49-F238E27FC236}">
-                <a16:creationId xmlns:a16="http://schemas.microsoft.com/office/drawing/2014/main" id="{BB8E6F4D-2645-AD1D-8212-68130122F3B0}"/>
+                <a16:creationId xmlns:a16="http://schemas.microsoft.com/office/drawing/2014/main" id="{04F27991-090D-745B-ED05-3D872DAFCEC3}"/>
               </a:ext>
             </a:extLst>
           </p:cNvPr>
@@ -1396,7 +1396,7 @@
           <a:bodyPr/>
           <a:lstStyle/>
           <a:p>
-            <a:fld id="{B9979268-3642-4354-9485-BA15250CF380}" type="datetimeFigureOut">
+            <a:fld id="{B8B4B614-5EA4-428B-BA6F-F0B57D3AD001}" type="datetimeFigureOut">
               <a:rPr lang="zh-CN" altLang="en-US" smtClean="0"/>
               <a:t>2024/3/10</a:t>
             </a:fld>
@@ -1409,7 +1409,7 @@
           <p:cNvPr id="6" name="页脚占位符 5">
             <a:extLst>
               <a:ext uri="{FF2B5EF4-FFF2-40B4-BE49-F238E27FC236}">
-                <a16:creationId xmlns:a16="http://schemas.microsoft.com/office/drawing/2014/main" id="{C87F3F19-554C-F8C9-E09A-2DBF7778B2D3}"/>
+                <a16:creationId xmlns:a16="http://schemas.microsoft.com/office/drawing/2014/main" id="{A3AFC18D-BF94-AFA8-53DD-DB17D458E50F}"/>
               </a:ext>
             </a:extLst>
           </p:cNvPr>
@@ -1434,7 +1434,7 @@
           <p:cNvPr id="7" name="灯片编号占位符 6">
             <a:extLst>
               <a:ext uri="{FF2B5EF4-FFF2-40B4-BE49-F238E27FC236}">
-                <a16:creationId xmlns:a16="http://schemas.microsoft.com/office/drawing/2014/main" id="{E0F5D1E2-AEA7-86FF-3621-79E40A038958}"/>
+                <a16:creationId xmlns:a16="http://schemas.microsoft.com/office/drawing/2014/main" id="{BFD1258F-765F-71D7-048B-DCD2E50666FB}"/>
               </a:ext>
             </a:extLst>
           </p:cNvPr>
@@ -1450,7 +1450,7 @@
           <a:bodyPr/>
           <a:lstStyle/>
           <a:p>
-            <a:fld id="{EC918880-C1E5-4C34-9716-1B562C2A2A62}" type="slidenum">
+            <a:fld id="{C4878D2F-4116-4957-8347-2F7AAF0EF435}" type="slidenum">
               <a:rPr lang="zh-CN" altLang="en-US" smtClean="0"/>
               <a:t>‹#›</a:t>
             </a:fld>
@@ -1461,7 +1461,7 @@
     </p:spTree>
     <p:extLst>
       <p:ext uri="{BB962C8B-B14F-4D97-AF65-F5344CB8AC3E}">
-        <p14:creationId xmlns:p14="http://schemas.microsoft.com/office/powerpoint/2010/main" val="3497816533"/>
+        <p14:creationId xmlns:p14="http://schemas.microsoft.com/office/powerpoint/2010/main" val="1833827750"/>
       </p:ext>
     </p:extLst>
   </p:cSld>
@@ -1493,7 +1493,7 @@
           <p:cNvPr id="2" name="标题 1">
             <a:extLst>
               <a:ext uri="{FF2B5EF4-FFF2-40B4-BE49-F238E27FC236}">
-                <a16:creationId xmlns:a16="http://schemas.microsoft.com/office/drawing/2014/main" id="{94816BE7-0E50-F2BF-7801-B2980931547F}"/>
+                <a16:creationId xmlns:a16="http://schemas.microsoft.com/office/drawing/2014/main" id="{4991B3B2-007F-E081-31A1-93AB4A455F78}"/>
               </a:ext>
             </a:extLst>
           </p:cNvPr>
@@ -1526,7 +1526,7 @@
           <p:cNvPr id="3" name="文本占位符 2">
             <a:extLst>
               <a:ext uri="{FF2B5EF4-FFF2-40B4-BE49-F238E27FC236}">
-                <a16:creationId xmlns:a16="http://schemas.microsoft.com/office/drawing/2014/main" id="{5C5486DC-AA8A-4056-C801-230180FD6CD9}"/>
+                <a16:creationId xmlns:a16="http://schemas.microsoft.com/office/drawing/2014/main" id="{5549F1FF-CE2C-4C90-18E0-4B39F0960AF0}"/>
               </a:ext>
             </a:extLst>
           </p:cNvPr>
@@ -1597,7 +1597,7 @@
           <p:cNvPr id="4" name="内容占位符 3">
             <a:extLst>
               <a:ext uri="{FF2B5EF4-FFF2-40B4-BE49-F238E27FC236}">
-                <a16:creationId xmlns:a16="http://schemas.microsoft.com/office/drawing/2014/main" id="{86D9FB08-0F44-2657-FF8C-D40D31929219}"/>
+                <a16:creationId xmlns:a16="http://schemas.microsoft.com/office/drawing/2014/main" id="{ACEA8719-05CE-EA73-8514-09B517F8C1E6}"/>
               </a:ext>
             </a:extLst>
           </p:cNvPr>
@@ -1659,7 +1659,7 @@
           <p:cNvPr id="5" name="文本占位符 4">
             <a:extLst>
               <a:ext uri="{FF2B5EF4-FFF2-40B4-BE49-F238E27FC236}">
-                <a16:creationId xmlns:a16="http://schemas.microsoft.com/office/drawing/2014/main" id="{1C7ED493-AB52-6455-B389-6534F6E7A40C}"/>
+                <a16:creationId xmlns:a16="http://schemas.microsoft.com/office/drawing/2014/main" id="{2204A542-2E04-966F-78EB-7D8946DA5A7C}"/>
               </a:ext>
             </a:extLst>
           </p:cNvPr>
@@ -1730,7 +1730,7 @@
           <p:cNvPr id="6" name="内容占位符 5">
             <a:extLst>
               <a:ext uri="{FF2B5EF4-FFF2-40B4-BE49-F238E27FC236}">
-                <a16:creationId xmlns:a16="http://schemas.microsoft.com/office/drawing/2014/main" id="{D354332D-7105-40ED-8093-1609D7D0AF9D}"/>
+                <a16:creationId xmlns:a16="http://schemas.microsoft.com/office/drawing/2014/main" id="{27B6775B-1D0F-CD10-5C3C-36884CE4F076}"/>
               </a:ext>
             </a:extLst>
           </p:cNvPr>
@@ -1792,7 +1792,7 @@
           <p:cNvPr id="7" name="日期占位符 6">
             <a:extLst>
               <a:ext uri="{FF2B5EF4-FFF2-40B4-BE49-F238E27FC236}">
-                <a16:creationId xmlns:a16="http://schemas.microsoft.com/office/drawing/2014/main" id="{E4078010-AC77-6754-5CF4-1B64BEA0A7DF}"/>
+                <a16:creationId xmlns:a16="http://schemas.microsoft.com/office/drawing/2014/main" id="{E67A0B37-FAF0-C536-F278-47773E8510CD}"/>
               </a:ext>
             </a:extLst>
           </p:cNvPr>
@@ -1808,7 +1808,7 @@
           <a:bodyPr/>
           <a:lstStyle/>
           <a:p>
-            <a:fld id="{B9979268-3642-4354-9485-BA15250CF380}" type="datetimeFigureOut">
+            <a:fld id="{B8B4B614-5EA4-428B-BA6F-F0B57D3AD001}" type="datetimeFigureOut">
               <a:rPr lang="zh-CN" altLang="en-US" smtClean="0"/>
               <a:t>2024/3/10</a:t>
             </a:fld>
@@ -1821,7 +1821,7 @@
           <p:cNvPr id="8" name="页脚占位符 7">
             <a:extLst>
               <a:ext uri="{FF2B5EF4-FFF2-40B4-BE49-F238E27FC236}">
-                <a16:creationId xmlns:a16="http://schemas.microsoft.com/office/drawing/2014/main" id="{398E6CF0-7398-B10C-656F-F2C8D3C303B1}"/>
+                <a16:creationId xmlns:a16="http://schemas.microsoft.com/office/drawing/2014/main" id="{0FBF99BB-B86C-9A11-A543-8F2599E9ABBA}"/>
               </a:ext>
             </a:extLst>
           </p:cNvPr>
@@ -1846,7 +1846,7 @@
           <p:cNvPr id="9" name="灯片编号占位符 8">
             <a:extLst>
               <a:ext uri="{FF2B5EF4-FFF2-40B4-BE49-F238E27FC236}">
-                <a16:creationId xmlns:a16="http://schemas.microsoft.com/office/drawing/2014/main" id="{2D575063-CC28-DF62-12F8-0E96DBE0E531}"/>
+                <a16:creationId xmlns:a16="http://schemas.microsoft.com/office/drawing/2014/main" id="{69387B3A-699F-8B0C-33BB-6612BF9A8FAA}"/>
               </a:ext>
             </a:extLst>
           </p:cNvPr>
@@ -1862,7 +1862,7 @@
           <a:bodyPr/>
           <a:lstStyle/>
           <a:p>
-            <a:fld id="{EC918880-C1E5-4C34-9716-1B562C2A2A62}" type="slidenum">
+            <a:fld id="{C4878D2F-4116-4957-8347-2F7AAF0EF435}" type="slidenum">
               <a:rPr lang="zh-CN" altLang="en-US" smtClean="0"/>
               <a:t>‹#›</a:t>
             </a:fld>
@@ -1873,7 +1873,7 @@
     </p:spTree>
     <p:extLst>
       <p:ext uri="{BB962C8B-B14F-4D97-AF65-F5344CB8AC3E}">
-        <p14:creationId xmlns:p14="http://schemas.microsoft.com/office/powerpoint/2010/main" val="3687192579"/>
+        <p14:creationId xmlns:p14="http://schemas.microsoft.com/office/powerpoint/2010/main" val="1177387263"/>
       </p:ext>
     </p:extLst>
   </p:cSld>
@@ -1905,7 +1905,7 @@
           <p:cNvPr id="2" name="标题 1">
             <a:extLst>
               <a:ext uri="{FF2B5EF4-FFF2-40B4-BE49-F238E27FC236}">
-                <a16:creationId xmlns:a16="http://schemas.microsoft.com/office/drawing/2014/main" id="{022D25C2-8AEF-3ADE-0C69-67498FFE1FBE}"/>
+                <a16:creationId xmlns:a16="http://schemas.microsoft.com/office/drawing/2014/main" id="{F4C14A83-3E71-C9CE-7484-0DE3ED411B58}"/>
               </a:ext>
             </a:extLst>
           </p:cNvPr>
@@ -1933,7 +1933,7 @@
           <p:cNvPr id="3" name="日期占位符 2">
             <a:extLst>
               <a:ext uri="{FF2B5EF4-FFF2-40B4-BE49-F238E27FC236}">
-                <a16:creationId xmlns:a16="http://schemas.microsoft.com/office/drawing/2014/main" id="{90A936AF-A7F4-333A-329B-A5DEA1409A96}"/>
+                <a16:creationId xmlns:a16="http://schemas.microsoft.com/office/drawing/2014/main" id="{5B869301-26AD-21D2-1EE7-5C11241CA380}"/>
               </a:ext>
             </a:extLst>
           </p:cNvPr>
@@ -1949,7 +1949,7 @@
           <a:bodyPr/>
           <a:lstStyle/>
           <a:p>
-            <a:fld id="{B9979268-3642-4354-9485-BA15250CF380}" type="datetimeFigureOut">
+            <a:fld id="{B8B4B614-5EA4-428B-BA6F-F0B57D3AD001}" type="datetimeFigureOut">
               <a:rPr lang="zh-CN" altLang="en-US" smtClean="0"/>
               <a:t>2024/3/10</a:t>
             </a:fld>
@@ -1962,7 +1962,7 @@
           <p:cNvPr id="4" name="页脚占位符 3">
             <a:extLst>
               <a:ext uri="{FF2B5EF4-FFF2-40B4-BE49-F238E27FC236}">
-                <a16:creationId xmlns:a16="http://schemas.microsoft.com/office/drawing/2014/main" id="{B7B870BC-F2B5-54E1-1D03-70AD068B8CF8}"/>
+                <a16:creationId xmlns:a16="http://schemas.microsoft.com/office/drawing/2014/main" id="{F916EE6B-DF25-14AD-D3BE-3AF92A92F9E8}"/>
               </a:ext>
             </a:extLst>
           </p:cNvPr>
@@ -1987,7 +1987,7 @@
           <p:cNvPr id="5" name="灯片编号占位符 4">
             <a:extLst>
               <a:ext uri="{FF2B5EF4-FFF2-40B4-BE49-F238E27FC236}">
-                <a16:creationId xmlns:a16="http://schemas.microsoft.com/office/drawing/2014/main" id="{72ADB8BB-8DDE-7E06-A0C8-5F9DF8C3E349}"/>
+                <a16:creationId xmlns:a16="http://schemas.microsoft.com/office/drawing/2014/main" id="{107E02F0-F7D7-BEBF-A837-398DAC99A0EE}"/>
               </a:ext>
             </a:extLst>
           </p:cNvPr>
@@ -2003,7 +2003,7 @@
           <a:bodyPr/>
           <a:lstStyle/>
           <a:p>
-            <a:fld id="{EC918880-C1E5-4C34-9716-1B562C2A2A62}" type="slidenum">
+            <a:fld id="{C4878D2F-4116-4957-8347-2F7AAF0EF435}" type="slidenum">
               <a:rPr lang="zh-CN" altLang="en-US" smtClean="0"/>
               <a:t>‹#›</a:t>
             </a:fld>
@@ -2014,7 +2014,7 @@
     </p:spTree>
     <p:extLst>
       <p:ext uri="{BB962C8B-B14F-4D97-AF65-F5344CB8AC3E}">
-        <p14:creationId xmlns:p14="http://schemas.microsoft.com/office/powerpoint/2010/main" val="3541636465"/>
+        <p14:creationId xmlns:p14="http://schemas.microsoft.com/office/powerpoint/2010/main" val="2433336648"/>
       </p:ext>
     </p:extLst>
   </p:cSld>
@@ -2046,7 +2046,7 @@
           <p:cNvPr id="2" name="日期占位符 1">
             <a:extLst>
               <a:ext uri="{FF2B5EF4-FFF2-40B4-BE49-F238E27FC236}">
-                <a16:creationId xmlns:a16="http://schemas.microsoft.com/office/drawing/2014/main" id="{29158BF5-3319-9E46-783D-C41563358349}"/>
+                <a16:creationId xmlns:a16="http://schemas.microsoft.com/office/drawing/2014/main" id="{66C517AA-7CB0-6DA2-9869-6DDC5E7397A4}"/>
               </a:ext>
             </a:extLst>
           </p:cNvPr>
@@ -2062,7 +2062,7 @@
           <a:bodyPr/>
           <a:lstStyle/>
           <a:p>
-            <a:fld id="{B9979268-3642-4354-9485-BA15250CF380}" type="datetimeFigureOut">
+            <a:fld id="{B8B4B614-5EA4-428B-BA6F-F0B57D3AD001}" type="datetimeFigureOut">
               <a:rPr lang="zh-CN" altLang="en-US" smtClean="0"/>
               <a:t>2024/3/10</a:t>
             </a:fld>
@@ -2075,7 +2075,7 @@
           <p:cNvPr id="3" name="页脚占位符 2">
             <a:extLst>
               <a:ext uri="{FF2B5EF4-FFF2-40B4-BE49-F238E27FC236}">
-                <a16:creationId xmlns:a16="http://schemas.microsoft.com/office/drawing/2014/main" id="{409D6180-1A47-DBD6-F413-D20673F4BD6A}"/>
+                <a16:creationId xmlns:a16="http://schemas.microsoft.com/office/drawing/2014/main" id="{986BE267-F1EF-CECF-C904-B18DEA0CA9F4}"/>
               </a:ext>
             </a:extLst>
           </p:cNvPr>
@@ -2100,7 +2100,7 @@
           <p:cNvPr id="4" name="灯片编号占位符 3">
             <a:extLst>
               <a:ext uri="{FF2B5EF4-FFF2-40B4-BE49-F238E27FC236}">
-                <a16:creationId xmlns:a16="http://schemas.microsoft.com/office/drawing/2014/main" id="{D32AD51E-C8E2-421F-C4BF-CDD00BD80229}"/>
+                <a16:creationId xmlns:a16="http://schemas.microsoft.com/office/drawing/2014/main" id="{A8575334-E61F-C7FE-5D71-C6156BD3A256}"/>
               </a:ext>
             </a:extLst>
           </p:cNvPr>
@@ -2116,7 +2116,7 @@
           <a:bodyPr/>
           <a:lstStyle/>
           <a:p>
-            <a:fld id="{EC918880-C1E5-4C34-9716-1B562C2A2A62}" type="slidenum">
+            <a:fld id="{C4878D2F-4116-4957-8347-2F7AAF0EF435}" type="slidenum">
               <a:rPr lang="zh-CN" altLang="en-US" smtClean="0"/>
               <a:t>‹#›</a:t>
             </a:fld>
@@ -2127,7 +2127,7 @@
     </p:spTree>
     <p:extLst>
       <p:ext uri="{BB962C8B-B14F-4D97-AF65-F5344CB8AC3E}">
-        <p14:creationId xmlns:p14="http://schemas.microsoft.com/office/powerpoint/2010/main" val="2191344656"/>
+        <p14:creationId xmlns:p14="http://schemas.microsoft.com/office/powerpoint/2010/main" val="3392809775"/>
       </p:ext>
     </p:extLst>
   </p:cSld>
@@ -2159,7 +2159,7 @@
           <p:cNvPr id="2" name="标题 1">
             <a:extLst>
               <a:ext uri="{FF2B5EF4-FFF2-40B4-BE49-F238E27FC236}">
-                <a16:creationId xmlns:a16="http://schemas.microsoft.com/office/drawing/2014/main" id="{2EEE98AD-D85F-B931-5614-364767A76D7F}"/>
+                <a16:creationId xmlns:a16="http://schemas.microsoft.com/office/drawing/2014/main" id="{ECB1B505-5D35-DBF9-1D07-08F0708D11AA}"/>
               </a:ext>
             </a:extLst>
           </p:cNvPr>
@@ -2196,7 +2196,7 @@
           <p:cNvPr id="3" name="内容占位符 2">
             <a:extLst>
               <a:ext uri="{FF2B5EF4-FFF2-40B4-BE49-F238E27FC236}">
-                <a16:creationId xmlns:a16="http://schemas.microsoft.com/office/drawing/2014/main" id="{08B219F2-94A1-36FD-6316-7504445B53B5}"/>
+                <a16:creationId xmlns:a16="http://schemas.microsoft.com/office/drawing/2014/main" id="{329A5B21-ECD3-3B4A-258D-E8F994D4ADC1}"/>
               </a:ext>
             </a:extLst>
           </p:cNvPr>
@@ -2286,7 +2286,7 @@
           <p:cNvPr id="4" name="文本占位符 3">
             <a:extLst>
               <a:ext uri="{FF2B5EF4-FFF2-40B4-BE49-F238E27FC236}">
-                <a16:creationId xmlns:a16="http://schemas.microsoft.com/office/drawing/2014/main" id="{63CBD998-9B64-0163-4096-758E8E62E2E7}"/>
+                <a16:creationId xmlns:a16="http://schemas.microsoft.com/office/drawing/2014/main" id="{5E84F290-AED0-3F08-00E0-CADB8BD2CAE5}"/>
               </a:ext>
             </a:extLst>
           </p:cNvPr>
@@ -2357,7 +2357,7 @@
           <p:cNvPr id="5" name="日期占位符 4">
             <a:extLst>
               <a:ext uri="{FF2B5EF4-FFF2-40B4-BE49-F238E27FC236}">
-                <a16:creationId xmlns:a16="http://schemas.microsoft.com/office/drawing/2014/main" id="{2CB28A86-BEEB-43CB-C86B-BC41BCB95162}"/>
+                <a16:creationId xmlns:a16="http://schemas.microsoft.com/office/drawing/2014/main" id="{AC690A95-4EDC-D7E4-49C0-17E1B67945FC}"/>
               </a:ext>
             </a:extLst>
           </p:cNvPr>
@@ -2373,7 +2373,7 @@
           <a:bodyPr/>
           <a:lstStyle/>
           <a:p>
-            <a:fld id="{B9979268-3642-4354-9485-BA15250CF380}" type="datetimeFigureOut">
+            <a:fld id="{B8B4B614-5EA4-428B-BA6F-F0B57D3AD001}" type="datetimeFigureOut">
               <a:rPr lang="zh-CN" altLang="en-US" smtClean="0"/>
               <a:t>2024/3/10</a:t>
             </a:fld>
@@ -2386,7 +2386,7 @@
           <p:cNvPr id="6" name="页脚占位符 5">
             <a:extLst>
               <a:ext uri="{FF2B5EF4-FFF2-40B4-BE49-F238E27FC236}">
-                <a16:creationId xmlns:a16="http://schemas.microsoft.com/office/drawing/2014/main" id="{E0994813-FA57-D917-1414-678AA6CB3213}"/>
+                <a16:creationId xmlns:a16="http://schemas.microsoft.com/office/drawing/2014/main" id="{5465BFE4-DC7D-16A4-D0FA-4BBD37B290A7}"/>
               </a:ext>
             </a:extLst>
           </p:cNvPr>
@@ -2411,7 +2411,7 @@
           <p:cNvPr id="7" name="灯片编号占位符 6">
             <a:extLst>
               <a:ext uri="{FF2B5EF4-FFF2-40B4-BE49-F238E27FC236}">
-                <a16:creationId xmlns:a16="http://schemas.microsoft.com/office/drawing/2014/main" id="{C85DE43B-5705-F3BF-9E00-2C1E4C1DBAA5}"/>
+                <a16:creationId xmlns:a16="http://schemas.microsoft.com/office/drawing/2014/main" id="{3B9B1357-7210-18AE-96D4-259B8BF7C6EA}"/>
               </a:ext>
             </a:extLst>
           </p:cNvPr>
@@ -2427,7 +2427,7 @@
           <a:bodyPr/>
           <a:lstStyle/>
           <a:p>
-            <a:fld id="{EC918880-C1E5-4C34-9716-1B562C2A2A62}" type="slidenum">
+            <a:fld id="{C4878D2F-4116-4957-8347-2F7AAF0EF435}" type="slidenum">
               <a:rPr lang="zh-CN" altLang="en-US" smtClean="0"/>
               <a:t>‹#›</a:t>
             </a:fld>
@@ -2438,7 +2438,7 @@
     </p:spTree>
     <p:extLst>
       <p:ext uri="{BB962C8B-B14F-4D97-AF65-F5344CB8AC3E}">
-        <p14:creationId xmlns:p14="http://schemas.microsoft.com/office/powerpoint/2010/main" val="3137491871"/>
+        <p14:creationId xmlns:p14="http://schemas.microsoft.com/office/powerpoint/2010/main" val="1532135499"/>
       </p:ext>
     </p:extLst>
   </p:cSld>
@@ -2470,7 +2470,7 @@
           <p:cNvPr id="2" name="标题 1">
             <a:extLst>
               <a:ext uri="{FF2B5EF4-FFF2-40B4-BE49-F238E27FC236}">
-                <a16:creationId xmlns:a16="http://schemas.microsoft.com/office/drawing/2014/main" id="{0EBDC6E0-9C0F-BD45-B06A-F98130A4A3CC}"/>
+                <a16:creationId xmlns:a16="http://schemas.microsoft.com/office/drawing/2014/main" id="{8AE68FE6-26CB-B951-40B0-5648F9A90112}"/>
               </a:ext>
             </a:extLst>
           </p:cNvPr>
@@ -2507,7 +2507,7 @@
           <p:cNvPr id="3" name="图片占位符 2">
             <a:extLst>
               <a:ext uri="{FF2B5EF4-FFF2-40B4-BE49-F238E27FC236}">
-                <a16:creationId xmlns:a16="http://schemas.microsoft.com/office/drawing/2014/main" id="{73A5ED84-93A2-7BFE-5718-0303AF35CDEE}"/>
+                <a16:creationId xmlns:a16="http://schemas.microsoft.com/office/drawing/2014/main" id="{D5D31CED-39F8-383C-D0F3-000950BD07B7}"/>
               </a:ext>
             </a:extLst>
           </p:cNvPr>
@@ -2574,7 +2574,7 @@
           <p:cNvPr id="4" name="文本占位符 3">
             <a:extLst>
               <a:ext uri="{FF2B5EF4-FFF2-40B4-BE49-F238E27FC236}">
-                <a16:creationId xmlns:a16="http://schemas.microsoft.com/office/drawing/2014/main" id="{6433CB0E-1CAC-E94F-025A-DD49A2D60901}"/>
+                <a16:creationId xmlns:a16="http://schemas.microsoft.com/office/drawing/2014/main" id="{ED980E63-5CE1-CCFF-51F9-E92F2B68C493}"/>
               </a:ext>
             </a:extLst>
           </p:cNvPr>
@@ -2645,7 +2645,7 @@
           <p:cNvPr id="5" name="日期占位符 4">
             <a:extLst>
               <a:ext uri="{FF2B5EF4-FFF2-40B4-BE49-F238E27FC236}">
-                <a16:creationId xmlns:a16="http://schemas.microsoft.com/office/drawing/2014/main" id="{B0960155-6CD9-9818-CFB4-5F3937E97D54}"/>
+                <a16:creationId xmlns:a16="http://schemas.microsoft.com/office/drawing/2014/main" id="{E020752F-3299-470E-82E3-79BEDEEDFB8D}"/>
               </a:ext>
             </a:extLst>
           </p:cNvPr>
@@ -2661,7 +2661,7 @@
           <a:bodyPr/>
           <a:lstStyle/>
           <a:p>
-            <a:fld id="{B9979268-3642-4354-9485-BA15250CF380}" type="datetimeFigureOut">
+            <a:fld id="{B8B4B614-5EA4-428B-BA6F-F0B57D3AD001}" type="datetimeFigureOut">
               <a:rPr lang="zh-CN" altLang="en-US" smtClean="0"/>
               <a:t>2024/3/10</a:t>
             </a:fld>
@@ -2674,7 +2674,7 @@
           <p:cNvPr id="6" name="页脚占位符 5">
             <a:extLst>
               <a:ext uri="{FF2B5EF4-FFF2-40B4-BE49-F238E27FC236}">
-                <a16:creationId xmlns:a16="http://schemas.microsoft.com/office/drawing/2014/main" id="{196A0D82-764A-A19C-0884-56A0C9715119}"/>
+                <a16:creationId xmlns:a16="http://schemas.microsoft.com/office/drawing/2014/main" id="{6304E833-DD62-64AF-A33D-12FCB275C375}"/>
               </a:ext>
             </a:extLst>
           </p:cNvPr>
@@ -2699,7 +2699,7 @@
           <p:cNvPr id="7" name="灯片编号占位符 6">
             <a:extLst>
               <a:ext uri="{FF2B5EF4-FFF2-40B4-BE49-F238E27FC236}">
-                <a16:creationId xmlns:a16="http://schemas.microsoft.com/office/drawing/2014/main" id="{4670F063-00DA-FA00-6BDF-361E18B6216D}"/>
+                <a16:creationId xmlns:a16="http://schemas.microsoft.com/office/drawing/2014/main" id="{13C66A89-7D71-C7D4-F4C9-26359B86BEEC}"/>
               </a:ext>
             </a:extLst>
           </p:cNvPr>
@@ -2715,7 +2715,7 @@
           <a:bodyPr/>
           <a:lstStyle/>
           <a:p>
-            <a:fld id="{EC918880-C1E5-4C34-9716-1B562C2A2A62}" type="slidenum">
+            <a:fld id="{C4878D2F-4116-4957-8347-2F7AAF0EF435}" type="slidenum">
               <a:rPr lang="zh-CN" altLang="en-US" smtClean="0"/>
               <a:t>‹#›</a:t>
             </a:fld>
@@ -2726,7 +2726,7 @@
     </p:spTree>
     <p:extLst>
       <p:ext uri="{BB962C8B-B14F-4D97-AF65-F5344CB8AC3E}">
-        <p14:creationId xmlns:p14="http://schemas.microsoft.com/office/powerpoint/2010/main" val="3952457721"/>
+        <p14:creationId xmlns:p14="http://schemas.microsoft.com/office/powerpoint/2010/main" val="1662824921"/>
       </p:ext>
     </p:extLst>
   </p:cSld>
@@ -2763,7 +2763,7 @@
           <p:cNvPr id="2" name="标题占位符 1">
             <a:extLst>
               <a:ext uri="{FF2B5EF4-FFF2-40B4-BE49-F238E27FC236}">
-                <a16:creationId xmlns:a16="http://schemas.microsoft.com/office/drawing/2014/main" id="{F0492AB4-B40F-34BC-A5F2-42A98EBA2F93}"/>
+                <a16:creationId xmlns:a16="http://schemas.microsoft.com/office/drawing/2014/main" id="{B44FEF18-FD7F-39FD-61AA-A07FA0CD9A91}"/>
               </a:ext>
             </a:extLst>
           </p:cNvPr>
@@ -2801,7 +2801,7 @@
           <p:cNvPr id="3" name="文本占位符 2">
             <a:extLst>
               <a:ext uri="{FF2B5EF4-FFF2-40B4-BE49-F238E27FC236}">
-                <a16:creationId xmlns:a16="http://schemas.microsoft.com/office/drawing/2014/main" id="{5D757E71-CB8E-BBA4-F4F3-459C245787C1}"/>
+                <a16:creationId xmlns:a16="http://schemas.microsoft.com/office/drawing/2014/main" id="{2B894687-242C-3025-575A-207BEBAE10B4}"/>
               </a:ext>
             </a:extLst>
           </p:cNvPr>
@@ -2868,7 +2868,7 @@
           <p:cNvPr id="4" name="日期占位符 3">
             <a:extLst>
               <a:ext uri="{FF2B5EF4-FFF2-40B4-BE49-F238E27FC236}">
-                <a16:creationId xmlns:a16="http://schemas.microsoft.com/office/drawing/2014/main" id="{28975792-F94E-25EC-6947-EC12695EF06D}"/>
+                <a16:creationId xmlns:a16="http://schemas.microsoft.com/office/drawing/2014/main" id="{CEE81639-14A1-E09B-1A36-9FAB4843CC34}"/>
               </a:ext>
             </a:extLst>
           </p:cNvPr>
@@ -2902,7 +2902,7 @@
             </a:lvl1pPr>
           </a:lstStyle>
           <a:p>
-            <a:fld id="{B9979268-3642-4354-9485-BA15250CF380}" type="datetimeFigureOut">
+            <a:fld id="{B8B4B614-5EA4-428B-BA6F-F0B57D3AD001}" type="datetimeFigureOut">
               <a:rPr lang="zh-CN" altLang="en-US" smtClean="0"/>
               <a:t>2024/3/10</a:t>
             </a:fld>
@@ -2915,7 +2915,7 @@
           <p:cNvPr id="5" name="页脚占位符 4">
             <a:extLst>
               <a:ext uri="{FF2B5EF4-FFF2-40B4-BE49-F238E27FC236}">
-                <a16:creationId xmlns:a16="http://schemas.microsoft.com/office/drawing/2014/main" id="{6A01644A-8009-436F-EA57-3C741163F272}"/>
+                <a16:creationId xmlns:a16="http://schemas.microsoft.com/office/drawing/2014/main" id="{14D1BD6A-9263-AFE3-5C49-0308D933ED2A}"/>
               </a:ext>
             </a:extLst>
           </p:cNvPr>
@@ -2958,7 +2958,7 @@
           <p:cNvPr id="6" name="灯片编号占位符 5">
             <a:extLst>
               <a:ext uri="{FF2B5EF4-FFF2-40B4-BE49-F238E27FC236}">
-                <a16:creationId xmlns:a16="http://schemas.microsoft.com/office/drawing/2014/main" id="{EFEF25D3-0274-73F0-78C1-F76466C15FFE}"/>
+                <a16:creationId xmlns:a16="http://schemas.microsoft.com/office/drawing/2014/main" id="{4BB82C0C-B56A-3312-27FA-C7EAF50B121D}"/>
               </a:ext>
             </a:extLst>
           </p:cNvPr>
@@ -2992,7 +2992,7 @@
             </a:lvl1pPr>
           </a:lstStyle>
           <a:p>
-            <a:fld id="{EC918880-C1E5-4C34-9716-1B562C2A2A62}" type="slidenum">
+            <a:fld id="{C4878D2F-4116-4957-8347-2F7AAF0EF435}" type="slidenum">
               <a:rPr lang="zh-CN" altLang="en-US" smtClean="0"/>
               <a:t>‹#›</a:t>
             </a:fld>
@@ -3003,7 +3003,7 @@
     </p:spTree>
     <p:extLst>
       <p:ext uri="{BB962C8B-B14F-4D97-AF65-F5344CB8AC3E}">
-        <p14:creationId xmlns:p14="http://schemas.microsoft.com/office/powerpoint/2010/main" val="3200455431"/>
+        <p14:creationId xmlns:p14="http://schemas.microsoft.com/office/powerpoint/2010/main" val="2925436934"/>
       </p:ext>
     </p:extLst>
   </p:cSld>
